--- a/Session-00/DevOps_Training_Intro_2019.pptx
+++ b/Session-00/DevOps_Training_Intro_2019.pptx
@@ -2165,7 +2165,17 @@
         <a:p>
           <a:r>
             <a:rPr lang="en-US" sz="1500" dirty="0"/>
-            <a:t>&gt;   </a:t>
+            <a:t>&gt;</a:t>
+          </a:r>
+          <a:r>
+            <a:rPr lang="en-US" sz="1500" dirty="0">
+              <a:hlinkClick xmlns:r="http://schemas.openxmlformats.org/officeDocument/2006/relationships" r:id="rId1"/>
+            </a:rPr>
+            <a:t>https://github.com/prkatta/dotraining/blob/master/Session-00/DevOpsEngineerTraining_Modules.pdf</a:t>
+          </a:r>
+          <a:r>
+            <a:rPr lang="en-US" sz="1500" dirty="0"/>
+            <a:t> </a:t>
           </a:r>
         </a:p>
       </dgm:t>
@@ -3408,7 +3418,17 @@
           </a:pPr>
           <a:r>
             <a:rPr lang="en-US" sz="1500" kern="1200" dirty="0"/>
-            <a:t>&gt;   </a:t>
+            <a:t>&gt;</a:t>
+          </a:r>
+          <a:r>
+            <a:rPr lang="en-US" sz="1500" kern="1200" dirty="0">
+              <a:hlinkClick xmlns:r="http://schemas.openxmlformats.org/officeDocument/2006/relationships" r:id="rId1"/>
+            </a:rPr>
+            <a:t>https://github.com/prkatta/dotraining/blob/master/Session-00/DevOpsEngineerTraining_Modules.pdf</a:t>
+          </a:r>
+          <a:r>
+            <a:rPr lang="en-US" sz="1500" kern="1200" dirty="0"/>
+            <a:t> </a:t>
           </a:r>
         </a:p>
       </dsp:txBody>
@@ -6154,7 +6174,7 @@
           <a:p>
             <a:fld id="{7BA37F7A-782D-430C-B7DE-046B665BEF14}" type="datetimeFigureOut">
               <a:rPr lang="en-US" smtClean="0"/>
-              <a:t>11/5/2019</a:t>
+              <a:t>11/6/2019</a:t>
             </a:fld>
             <a:endParaRPr lang="en-US" dirty="0"/>
           </a:p>
@@ -6331,7 +6351,7 @@
           <a:p>
             <a:fld id="{B61CCEED-E5F4-4698-B012-83262916D7BD}" type="datetimeFigureOut">
               <a:rPr lang="en-US" noProof="0" smtClean="0"/>
-              <a:t>11/5/2019</a:t>
+              <a:t>11/6/2019</a:t>
             </a:fld>
             <a:endParaRPr lang="en-US" noProof="0" dirty="0"/>
           </a:p>
@@ -7597,7 +7617,7 @@
           <a:p>
             <a:fld id="{73816531-CCD3-4909-A41B-EAB1049BDA8C}" type="datetime1">
               <a:rPr lang="en-US" smtClean="0"/>
-              <a:t>11/5/2019</a:t>
+              <a:t>11/6/2019</a:t>
             </a:fld>
             <a:endParaRPr lang="en-US" dirty="0"/>
           </a:p>
@@ -8005,7 +8025,7 @@
           <a:p>
             <a:fld id="{91CD4B7E-D172-41E4-BE36-64B5A7E393CD}" type="datetimeFigureOut">
               <a:rPr lang="en-US" noProof="0" smtClean="0"/>
-              <a:t>11/5/2019</a:t>
+              <a:t>11/6/2019</a:t>
             </a:fld>
             <a:endParaRPr lang="en-US" noProof="0" dirty="0"/>
           </a:p>
@@ -8338,7 +8358,7 @@
           <a:p>
             <a:fld id="{91CD4B7E-D172-41E4-BE36-64B5A7E393CD}" type="datetimeFigureOut">
               <a:rPr lang="en-US" noProof="0" smtClean="0"/>
-              <a:t>11/5/2019</a:t>
+              <a:t>11/6/2019</a:t>
             </a:fld>
             <a:endParaRPr lang="en-US" noProof="0" dirty="0"/>
           </a:p>
@@ -8733,7 +8753,7 @@
           <a:p>
             <a:fld id="{91CD4B7E-D172-41E4-BE36-64B5A7E393CD}" type="datetimeFigureOut">
               <a:rPr lang="en-US" noProof="0" smtClean="0"/>
-              <a:t>11/5/2019</a:t>
+              <a:t>11/6/2019</a:t>
             </a:fld>
             <a:endParaRPr lang="en-US" noProof="0" dirty="0"/>
           </a:p>
@@ -9183,7 +9203,7 @@
           <a:p>
             <a:fld id="{91CD4B7E-D172-41E4-BE36-64B5A7E393CD}" type="datetimeFigureOut">
               <a:rPr lang="en-US" noProof="0" smtClean="0"/>
-              <a:t>11/5/2019</a:t>
+              <a:t>11/6/2019</a:t>
             </a:fld>
             <a:endParaRPr lang="en-US" noProof="0" dirty="0"/>
           </a:p>
@@ -9504,7 +9524,7 @@
           <a:p>
             <a:fld id="{670A55AC-ADB5-440D-AFFF-99C1406F297F}" type="datetime1">
               <a:rPr lang="en-US" smtClean="0"/>
-              <a:t>11/5/2019</a:t>
+              <a:t>11/6/2019</a:t>
             </a:fld>
             <a:endParaRPr lang="en-US" dirty="0"/>
           </a:p>
@@ -9758,7 +9778,7 @@
           <a:p>
             <a:fld id="{91CD4B7E-D172-41E4-BE36-64B5A7E393CD}" type="datetimeFigureOut">
               <a:rPr lang="en-US" noProof="0" smtClean="0"/>
-              <a:t>11/5/2019</a:t>
+              <a:t>11/6/2019</a:t>
             </a:fld>
             <a:endParaRPr lang="en-US" noProof="0" dirty="0"/>
           </a:p>
@@ -9935,7 +9955,7 @@
           <a:p>
             <a:fld id="{BC34B1AC-9A7E-4B2F-BE59-65E2DDF1D6F6}" type="datetime1">
               <a:rPr lang="en-US" smtClean="0"/>
-              <a:t>11/5/2019</a:t>
+              <a:t>11/6/2019</a:t>
             </a:fld>
             <a:endParaRPr lang="en-US" dirty="0"/>
           </a:p>
@@ -10406,7 +10426,7 @@
           <a:p>
             <a:fld id="{DCE9E340-46EE-4A5F-9C9B-315AD29A92C5}" type="datetimeFigureOut">
               <a:rPr lang="en-US" noProof="0" smtClean="0"/>
-              <a:t>11/5/2019</a:t>
+              <a:t>11/6/2019</a:t>
             </a:fld>
             <a:endParaRPr lang="en-US" noProof="0" dirty="0"/>
           </a:p>
@@ -10534,7 +10554,7 @@
           <a:p>
             <a:fld id="{AE95AE94-03D1-4FC2-903C-8511BF4E0409}" type="datetime1">
               <a:rPr lang="en-US" smtClean="0"/>
-              <a:t>11/5/2019</a:t>
+              <a:t>11/6/2019</a:t>
             </a:fld>
             <a:endParaRPr lang="en-US" dirty="0"/>
           </a:p>
@@ -10883,7 +10903,7 @@
           <a:p>
             <a:fld id="{91CD4B7E-D172-41E4-BE36-64B5A7E393CD}" type="datetimeFigureOut">
               <a:rPr lang="en-US" noProof="0" smtClean="0"/>
-              <a:t>11/5/2019</a:t>
+              <a:t>11/6/2019</a:t>
             </a:fld>
             <a:endParaRPr lang="en-US" noProof="0" dirty="0"/>
           </a:p>
@@ -11383,7 +11403,7 @@
           <a:p>
             <a:fld id="{91CD4B7E-D172-41E4-BE36-64B5A7E393CD}" type="datetimeFigureOut">
               <a:rPr lang="en-US" noProof="0" smtClean="0"/>
-              <a:t>11/5/2019</a:t>
+              <a:t>11/6/2019</a:t>
             </a:fld>
             <a:endParaRPr lang="en-US" noProof="0" dirty="0"/>
           </a:p>
@@ -11601,7 +11621,7 @@
           <a:p>
             <a:fld id="{91CD4B7E-D172-41E4-BE36-64B5A7E393CD}" type="datetimeFigureOut">
               <a:rPr lang="en-US" noProof="0" smtClean="0"/>
-              <a:t>11/5/2019</a:t>
+              <a:t>11/6/2019</a:t>
             </a:fld>
             <a:endParaRPr lang="en-US" noProof="0" dirty="0"/>
           </a:p>
@@ -11733,7 +11753,7 @@
           <a:p>
             <a:fld id="{91CD4B7E-D172-41E4-BE36-64B5A7E393CD}" type="datetimeFigureOut">
               <a:rPr lang="en-US" noProof="0" smtClean="0"/>
-              <a:t>11/5/2019</a:t>
+              <a:t>11/6/2019</a:t>
             </a:fld>
             <a:endParaRPr lang="en-US" noProof="0" dirty="0"/>
           </a:p>
@@ -12158,7 +12178,7 @@
           <a:p>
             <a:fld id="{91CD4B7E-D172-41E4-BE36-64B5A7E393CD}" type="datetimeFigureOut">
               <a:rPr lang="en-US" noProof="0" smtClean="0"/>
-              <a:t>11/5/2019</a:t>
+              <a:t>11/6/2019</a:t>
             </a:fld>
             <a:endParaRPr lang="en-US" noProof="0" dirty="0"/>
           </a:p>
@@ -12585,7 +12605,7 @@
             <a:fld id="{0A7F1CA9-BED2-4756-8AEF-E0F68B0488B6}" type="datetime1">
               <a:rPr lang="en-US" smtClean="0"/>
               <a:pPr/>
-              <a:t>11/5/2019</a:t>
+              <a:t>11/6/2019</a:t>
             </a:fld>
             <a:endParaRPr lang="en-US" dirty="0"/>
           </a:p>
@@ -16436,7 +16456,7 @@
             <p:ph idx="4294967295"/>
             <p:extLst>
               <p:ext uri="{D42A27DB-BD31-4B8C-83A1-F6EECF244321}">
-                <p14:modId xmlns:p14="http://schemas.microsoft.com/office/powerpoint/2010/main" val="1984615713"/>
+                <p14:modId xmlns:p14="http://schemas.microsoft.com/office/powerpoint/2010/main" val="2720228280"/>
               </p:ext>
             </p:extLst>
           </p:nvPr>
@@ -17512,12 +17532,12 @@
 </file>
 
 <file path=customXml/item1.xml><?xml version="1.0" encoding="utf-8"?>
-<?mso-contentType ?>
-<FormTemplates xmlns="http://schemas.microsoft.com/sharepoint/v3/contenttype/forms">
-  <Display>DocumentLibraryForm</Display>
-  <Edit>DocumentLibraryForm</Edit>
-  <New>DocumentLibraryForm</New>
-</FormTemplates>
+<p:properties xmlns:p="http://schemas.microsoft.com/office/2006/metadata/properties" xmlns:xsi="http://www.w3.org/2001/XMLSchema-instance" xmlns:pc="http://schemas.microsoft.com/office/infopath/2007/PartnerControls">
+  <documentManagement>
+    <Status xmlns="71af3243-3dd4-4a8d-8c0d-dd76da1f02a5">Not started</Status>
+    <MediaServiceKeyPoints xmlns="71af3243-3dd4-4a8d-8c0d-dd76da1f02a5" xsi:nil="true"/>
+  </documentManagement>
+</p:properties>
 </file>
 
 <file path=customXml/item2.xml><?xml version="1.0" encoding="utf-8"?>
@@ -17742,18 +17762,27 @@
 </file>
 
 <file path=customXml/item3.xml><?xml version="1.0" encoding="utf-8"?>
-<p:properties xmlns:p="http://schemas.microsoft.com/office/2006/metadata/properties" xmlns:xsi="http://www.w3.org/2001/XMLSchema-instance" xmlns:pc="http://schemas.microsoft.com/office/infopath/2007/PartnerControls">
-  <documentManagement>
-    <Status xmlns="71af3243-3dd4-4a8d-8c0d-dd76da1f02a5">Not started</Status>
-    <MediaServiceKeyPoints xmlns="71af3243-3dd4-4a8d-8c0d-dd76da1f02a5" xsi:nil="true"/>
-  </documentManagement>
-</p:properties>
+<?mso-contentType ?>
+<FormTemplates xmlns="http://schemas.microsoft.com/sharepoint/v3/contenttype/forms">
+  <Display>DocumentLibraryForm</Display>
+  <Edit>DocumentLibraryForm</Edit>
+  <New>DocumentLibraryForm</New>
+</FormTemplates>
 </file>
 
 <file path=customXml/itemProps1.xml><?xml version="1.0" encoding="utf-8"?>
-<ds:datastoreItem xmlns:ds="http://schemas.openxmlformats.org/officeDocument/2006/customXml" ds:itemID="{81225D5A-3A69-457C-B7D4-425712F5D40F}">
+<ds:datastoreItem xmlns:ds="http://schemas.openxmlformats.org/officeDocument/2006/customXml" ds:itemID="{30AD4E0F-D5B9-4E85-A9F9-55FB534FCA93}">
   <ds:schemaRefs>
-    <ds:schemaRef ds:uri="http://schemas.microsoft.com/sharepoint/v3/contenttype/forms"/>
+    <ds:schemaRef ds:uri="http://www.w3.org/XML/1998/namespace"/>
+    <ds:schemaRef ds:uri="71af3243-3dd4-4a8d-8c0d-dd76da1f02a5"/>
+    <ds:schemaRef ds:uri="16c05727-aa75-4e4a-9b5f-8a80a1165891"/>
+    <ds:schemaRef ds:uri="http://purl.org/dc/dcmitype/"/>
+    <ds:schemaRef ds:uri="http://schemas.microsoft.com/office/2006/metadata/properties"/>
+    <ds:schemaRef ds:uri="http://schemas.openxmlformats.org/package/2006/metadata/core-properties"/>
+    <ds:schemaRef ds:uri="http://schemas.microsoft.com/office/2006/documentManagement/types"/>
+    <ds:schemaRef ds:uri="http://purl.org/dc/terms/"/>
+    <ds:schemaRef ds:uri="http://schemas.microsoft.com/office/infopath/2007/PartnerControls"/>
+    <ds:schemaRef ds:uri="http://purl.org/dc/elements/1.1/"/>
   </ds:schemaRefs>
 </ds:datastoreItem>
 </file>
@@ -17778,18 +17807,9 @@
 </file>
 
 <file path=customXml/itemProps3.xml><?xml version="1.0" encoding="utf-8"?>
-<ds:datastoreItem xmlns:ds="http://schemas.openxmlformats.org/officeDocument/2006/customXml" ds:itemID="{30AD4E0F-D5B9-4E85-A9F9-55FB534FCA93}">
+<ds:datastoreItem xmlns:ds="http://schemas.openxmlformats.org/officeDocument/2006/customXml" ds:itemID="{81225D5A-3A69-457C-B7D4-425712F5D40F}">
   <ds:schemaRefs>
-    <ds:schemaRef ds:uri="http://www.w3.org/XML/1998/namespace"/>
-    <ds:schemaRef ds:uri="71af3243-3dd4-4a8d-8c0d-dd76da1f02a5"/>
-    <ds:schemaRef ds:uri="16c05727-aa75-4e4a-9b5f-8a80a1165891"/>
-    <ds:schemaRef ds:uri="http://purl.org/dc/dcmitype/"/>
-    <ds:schemaRef ds:uri="http://schemas.microsoft.com/office/2006/metadata/properties"/>
-    <ds:schemaRef ds:uri="http://schemas.openxmlformats.org/package/2006/metadata/core-properties"/>
-    <ds:schemaRef ds:uri="http://schemas.microsoft.com/office/2006/documentManagement/types"/>
-    <ds:schemaRef ds:uri="http://purl.org/dc/terms/"/>
-    <ds:schemaRef ds:uri="http://schemas.microsoft.com/office/infopath/2007/PartnerControls"/>
-    <ds:schemaRef ds:uri="http://purl.org/dc/elements/1.1/"/>
+    <ds:schemaRef ds:uri="http://schemas.microsoft.com/sharepoint/v3/contenttype/forms"/>
   </ds:schemaRefs>
 </ds:datastoreItem>
 </file>